--- a/ZJAVA/Zero Downtime Deployment/Zero Downtime Deployment - ZJAVA.pptx
+++ b/ZJAVA/Zero Downtime Deployment/Zero Downtime Deployment - ZJAVA.pptx
@@ -6,10 +6,10 @@
     <p:sldMasterId id="2147483736" r:id="rId6"/>
   </p:sldMasterIdLst>
   <p:notesMasterIdLst>
-    <p:notesMasterId r:id="rId39"/>
+    <p:notesMasterId r:id="rId40"/>
   </p:notesMasterIdLst>
   <p:handoutMasterIdLst>
-    <p:handoutMasterId r:id="rId40"/>
+    <p:handoutMasterId r:id="rId41"/>
   </p:handoutMasterIdLst>
   <p:sldIdLst>
     <p:sldId id="277" r:id="rId7"/>
@@ -44,6 +44,7 @@
     <p:sldId id="326" r:id="rId36"/>
     <p:sldId id="337" r:id="rId37"/>
     <p:sldId id="327" r:id="rId38"/>
+    <p:sldId id="339" r:id="rId39"/>
   </p:sldIdLst>
   <p:sldSz cx="9144000" cy="5143500" type="screen16x9"/>
   <p:notesSz cx="6858000" cy="9144000"/>
@@ -179,6 +180,7 @@
             <p14:sldId id="326"/>
             <p14:sldId id="337"/>
             <p14:sldId id="327"/>
+            <p14:sldId id="339"/>
           </p14:sldIdLst>
         </p14:section>
       </p14:sectionLst>
@@ -20384,6 +20386,146 @@
 </p:sld>
 </file>
 
+<file path=ppt/slides/slide33.xml><?xml version="1.0" encoding="utf-8"?>
+<p:sld xmlns:a="http://schemas.openxmlformats.org/drawingml/2006/main" xmlns:r="http://schemas.openxmlformats.org/officeDocument/2006/relationships" xmlns:p="http://schemas.openxmlformats.org/presentationml/2006/main">
+  <p:cSld>
+    <p:spTree>
+      <p:nvGrpSpPr>
+        <p:cNvPr id="1" name=""/>
+        <p:cNvGrpSpPr/>
+        <p:nvPr/>
+      </p:nvGrpSpPr>
+      <p:grpSpPr>
+        <a:xfrm>
+          <a:off x="0" y="0"/>
+          <a:ext cx="0" cy="0"/>
+          <a:chOff x="0" y="0"/>
+          <a:chExt cx="0" cy="0"/>
+        </a:xfrm>
+      </p:grpSpPr>
+      <p:sp>
+        <p:nvSpPr>
+          <p:cNvPr id="3" name="Footer Placeholder 2">
+            <a:extLst>
+              <a:ext uri="{FF2B5EF4-FFF2-40B4-BE49-F238E27FC236}">
+                <a16:creationId xmlns:a16="http://schemas.microsoft.com/office/drawing/2014/main" id="{9113E9E2-EEA9-4C53-9BCE-CC3E301A3E77}"/>
+              </a:ext>
+            </a:extLst>
+          </p:cNvPr>
+          <p:cNvSpPr>
+            <a:spLocks noGrp="1"/>
+          </p:cNvSpPr>
+          <p:nvPr>
+            <p:ph type="ftr" sz="quarter" idx="16"/>
+          </p:nvPr>
+        </p:nvSpPr>
+        <p:spPr/>
+        <p:txBody>
+          <a:bodyPr/>
+          <a:lstStyle/>
+          <a:p>
+            <a:r>
+              <a:rPr lang="pl-PL"/>
+              <a:t>Zero Downtime Deployment</a:t>
+            </a:r>
+            <a:endParaRPr lang="pl-PL" dirty="0"/>
+          </a:p>
+        </p:txBody>
+      </p:sp>
+      <p:sp>
+        <p:nvSpPr>
+          <p:cNvPr id="4" name="Date Placeholder 3">
+            <a:extLst>
+              <a:ext uri="{FF2B5EF4-FFF2-40B4-BE49-F238E27FC236}">
+                <a16:creationId xmlns:a16="http://schemas.microsoft.com/office/drawing/2014/main" id="{8F488C7F-A689-4973-8618-A76DE02829CC}"/>
+              </a:ext>
+            </a:extLst>
+          </p:cNvPr>
+          <p:cNvSpPr>
+            <a:spLocks noGrp="1"/>
+          </p:cNvSpPr>
+          <p:nvPr>
+            <p:ph type="dt" sz="half" idx="15"/>
+          </p:nvPr>
+        </p:nvSpPr>
+        <p:spPr/>
+        <p:txBody>
+          <a:bodyPr/>
+          <a:lstStyle/>
+          <a:p>
+            <a:fld id="{9352C5DC-68B7-4920-AFD5-7C4DFA9D7402}" type="datetime1">
+              <a:rPr lang="pl-PL" smtClean="0"/>
+              <a:t>06.02.2019</a:t>
+            </a:fld>
+            <a:endParaRPr lang="pl-PL" dirty="0"/>
+          </a:p>
+        </p:txBody>
+      </p:sp>
+      <p:sp>
+        <p:nvSpPr>
+          <p:cNvPr id="5" name="Text Placeholder 4">
+            <a:extLst>
+              <a:ext uri="{FF2B5EF4-FFF2-40B4-BE49-F238E27FC236}">
+                <a16:creationId xmlns:a16="http://schemas.microsoft.com/office/drawing/2014/main" id="{749E53B5-01FE-4B96-83FB-F29151668382}"/>
+              </a:ext>
+            </a:extLst>
+          </p:cNvPr>
+          <p:cNvSpPr>
+            <a:spLocks noGrp="1"/>
+          </p:cNvSpPr>
+          <p:nvPr>
+            <p:ph type="body" sz="quarter" idx="17"/>
+          </p:nvPr>
+        </p:nvSpPr>
+        <p:spPr/>
+        <p:txBody>
+          <a:bodyPr/>
+          <a:lstStyle/>
+          <a:p>
+            <a:r>
+              <a:rPr lang="pl-PL" dirty="0"/>
+              <a:t>Prezentacja </a:t>
+            </a:r>
+            <a:r>
+              <a:rPr lang="pl-PL"/>
+              <a:t>dostępne jest na </a:t>
+            </a:r>
+            <a:r>
+              <a:rPr lang="pl-PL" dirty="0" err="1"/>
+              <a:t>github</a:t>
+            </a:r>
+            <a:endParaRPr lang="pl-PL" dirty="0"/>
+          </a:p>
+          <a:p>
+            <a:pPr lvl="1"/>
+            <a:r>
+              <a:rPr lang="pl-PL" dirty="0"/>
+              <a:t>https://github.com/</a:t>
+            </a:r>
+            <a:r>
+              <a:rPr lang="pl-PL" b="1" dirty="0"/>
+              <a:t>piotrFalkowskiIt</a:t>
+            </a:r>
+            <a:r>
+              <a:rPr lang="pl-PL" dirty="0"/>
+              <a:t>/pf-presentations</a:t>
+            </a:r>
+          </a:p>
+        </p:txBody>
+      </p:sp>
+    </p:spTree>
+    <p:extLst>
+      <p:ext uri="{BB962C8B-B14F-4D97-AF65-F5344CB8AC3E}">
+        <p14:creationId xmlns:p14="http://schemas.microsoft.com/office/powerpoint/2010/main" val="3806288334"/>
+      </p:ext>
+    </p:extLst>
+  </p:cSld>
+  <p:clrMapOvr>
+    <a:masterClrMapping/>
+  </p:clrMapOvr>
+</p:sld>
+</file>
+
 <file path=ppt/slides/slide4.xml><?xml version="1.0" encoding="utf-8"?>
 <p:sld xmlns:a="http://schemas.openxmlformats.org/drawingml/2006/main" xmlns:r="http://schemas.openxmlformats.org/officeDocument/2006/relationships" xmlns:p="http://schemas.openxmlformats.org/presentationml/2006/main">
   <p:cSld>
@@ -21035,7 +21177,7 @@
             </a:r>
             <a:r>
               <a:rPr lang="pl-PL" sz="1800" dirty="0"/>
-              <a:t> na produkcję 1 na rok?</a:t>
+              <a:t> na produkcję przynajmniej 1 na rok?</a:t>
             </a:r>
           </a:p>
           <a:p>
@@ -21054,7 +21196,7 @@
             </a:r>
             <a:r>
               <a:rPr lang="pl-PL" sz="1800" dirty="0"/>
-              <a:t> na produkcję 1 na pół roku?</a:t>
+              <a:t> na produkcję przynajmniej 1 na pół roku?</a:t>
             </a:r>
           </a:p>
           <a:p>
@@ -21073,7 +21215,7 @@
             </a:r>
             <a:r>
               <a:rPr lang="pl-PL" sz="1800" dirty="0"/>
-              <a:t> na produkcję 1 na miesiąc?</a:t>
+              <a:t> na produkcję przynajmniej 1 na miesiąc?</a:t>
             </a:r>
           </a:p>
           <a:p>
@@ -26427,6 +26569,15 @@
 </file>
 
 <file path=customXml/item1.xml><?xml version="1.0" encoding="utf-8"?>
+<?mso-contentType ?>
+<FormTemplates xmlns="http://schemas.microsoft.com/sharepoint/v3/contenttype/forms">
+  <Display>DocumentLibraryForm</Display>
+  <Edit>DocumentLibraryForm</Edit>
+  <New>DocumentLibraryForm</New>
+</FormTemplates>
+</file>
+
+<file path=customXml/item2.xml><?xml version="1.0" encoding="utf-8"?>
 <p:properties xmlns:p="http://schemas.microsoft.com/office/2006/metadata/properties" xmlns:xsi="http://www.w3.org/2001/XMLSchema-instance" xmlns:pc="http://schemas.microsoft.com/office/infopath/2007/PartnerControls">
   <documentManagement>
     <Approved_x0020_by xmlns="25fdd84a-dea2-444e-b0cf-34518ae5aa13">
@@ -26461,16 +26612,57 @@
 </p:properties>
 </file>
 
-<file path=customXml/item2.xml><?xml version="1.0" encoding="utf-8"?>
+<file path=customXml/item3.xml><?xml version="1.0" encoding="utf-8"?>
 <?mso-contentType ?>
-<FormTemplates xmlns="http://schemas.microsoft.com/sharepoint/v3/contenttype/forms">
-  <Display>DocumentLibraryForm</Display>
-  <Edit>DocumentLibraryForm</Edit>
-  <New>DocumentLibraryForm</New>
-</FormTemplates>
+<spe:Receivers xmlns:spe="http://schemas.microsoft.com/sharepoint/events">
+  <Receiver>
+    <Name>Document ID Generator</Name>
+    <Synchronization>Synchronous</Synchronization>
+    <Type>10001</Type>
+    <SequenceNumber>1000</SequenceNumber>
+    <Url/>
+    <Assembly>Microsoft.Office.DocumentManagement, Version=16.0.0.0, Culture=neutral, PublicKeyToken=71e9bce111e9429c</Assembly>
+    <Class>Microsoft.Office.DocumentManagement.Internal.DocIdHandler</Class>
+    <Data/>
+    <Filter/>
+  </Receiver>
+  <Receiver>
+    <Name>Document ID Generator</Name>
+    <Synchronization>Synchronous</Synchronization>
+    <Type>10002</Type>
+    <SequenceNumber>1001</SequenceNumber>
+    <Url/>
+    <Assembly>Microsoft.Office.DocumentManagement, Version=16.0.0.0, Culture=neutral, PublicKeyToken=71e9bce111e9429c</Assembly>
+    <Class>Microsoft.Office.DocumentManagement.Internal.DocIdHandler</Class>
+    <Data/>
+    <Filter/>
+  </Receiver>
+  <Receiver>
+    <Name>Document ID Generator</Name>
+    <Synchronization>Synchronous</Synchronization>
+    <Type>10004</Type>
+    <SequenceNumber>1002</SequenceNumber>
+    <Url/>
+    <Assembly>Microsoft.Office.DocumentManagement, Version=16.0.0.0, Culture=neutral, PublicKeyToken=71e9bce111e9429c</Assembly>
+    <Class>Microsoft.Office.DocumentManagement.Internal.DocIdHandler</Class>
+    <Data/>
+    <Filter/>
+  </Receiver>
+  <Receiver>
+    <Name>Document ID Generator</Name>
+    <Synchronization>Synchronous</Synchronization>
+    <Type>10006</Type>
+    <SequenceNumber>1003</SequenceNumber>
+    <Url/>
+    <Assembly>Microsoft.Office.DocumentManagement, Version=16.0.0.0, Culture=neutral, PublicKeyToken=71e9bce111e9429c</Assembly>
+    <Class>Microsoft.Office.DocumentManagement.Internal.DocIdHandler</Class>
+    <Data/>
+    <Filter/>
+  </Receiver>
+</spe:Receivers>
 </file>
 
-<file path=customXml/item3.xml><?xml version="1.0" encoding="utf-8"?>
+<file path=customXml/item4.xml><?xml version="1.0" encoding="utf-8"?>
 <ct:contentTypeSchema xmlns:ct="http://schemas.microsoft.com/office/2006/metadata/contentType" xmlns:ma="http://schemas.microsoft.com/office/2006/metadata/properties/metaAttributes" ct:_="" ma:_="" ma:contentTypeName="Document" ma:contentTypeID="0x0101002AE35D7884763D4C92F37EA2D81B072E" ma:contentTypeVersion="8" ma:contentTypeDescription="Create a new document." ma:contentTypeScope="" ma:versionID="06efce8997d1b9e5efe5d161384937fd">
   <xsd:schema xmlns:xsd="http://www.w3.org/2001/XMLSchema" xmlns:xs="http://www.w3.org/2001/XMLSchema" xmlns:p="http://schemas.microsoft.com/office/2006/metadata/properties" xmlns:ns2="25fdd84a-dea2-444e-b0cf-34518ae5aa13" xmlns:ns3="3708c738-35ee-46ab-80c7-a8ab2419782e" targetNamespace="http://schemas.microsoft.com/office/2006/metadata/properties" ma:root="true" ma:fieldsID="4127aea9c87beac6020b9e776b5c4bc9" ns2:_="" ns3:_="">
     <xsd:import namespace="25fdd84a-dea2-444e-b0cf-34518ae5aa13"/>
@@ -26704,57 +26896,15 @@
 </ct:contentTypeSchema>
 </file>
 
-<file path=customXml/item4.xml><?xml version="1.0" encoding="utf-8"?>
-<?mso-contentType ?>
-<spe:Receivers xmlns:spe="http://schemas.microsoft.com/sharepoint/events">
-  <Receiver>
-    <Name>Document ID Generator</Name>
-    <Synchronization>Synchronous</Synchronization>
-    <Type>10001</Type>
-    <SequenceNumber>1000</SequenceNumber>
-    <Url/>
-    <Assembly>Microsoft.Office.DocumentManagement, Version=16.0.0.0, Culture=neutral, PublicKeyToken=71e9bce111e9429c</Assembly>
-    <Class>Microsoft.Office.DocumentManagement.Internal.DocIdHandler</Class>
-    <Data/>
-    <Filter/>
-  </Receiver>
-  <Receiver>
-    <Name>Document ID Generator</Name>
-    <Synchronization>Synchronous</Synchronization>
-    <Type>10002</Type>
-    <SequenceNumber>1001</SequenceNumber>
-    <Url/>
-    <Assembly>Microsoft.Office.DocumentManagement, Version=16.0.0.0, Culture=neutral, PublicKeyToken=71e9bce111e9429c</Assembly>
-    <Class>Microsoft.Office.DocumentManagement.Internal.DocIdHandler</Class>
-    <Data/>
-    <Filter/>
-  </Receiver>
-  <Receiver>
-    <Name>Document ID Generator</Name>
-    <Synchronization>Synchronous</Synchronization>
-    <Type>10004</Type>
-    <SequenceNumber>1002</SequenceNumber>
-    <Url/>
-    <Assembly>Microsoft.Office.DocumentManagement, Version=16.0.0.0, Culture=neutral, PublicKeyToken=71e9bce111e9429c</Assembly>
-    <Class>Microsoft.Office.DocumentManagement.Internal.DocIdHandler</Class>
-    <Data/>
-    <Filter/>
-  </Receiver>
-  <Receiver>
-    <Name>Document ID Generator</Name>
-    <Synchronization>Synchronous</Synchronization>
-    <Type>10006</Type>
-    <SequenceNumber>1003</SequenceNumber>
-    <Url/>
-    <Assembly>Microsoft.Office.DocumentManagement, Version=16.0.0.0, Culture=neutral, PublicKeyToken=71e9bce111e9429c</Assembly>
-    <Class>Microsoft.Office.DocumentManagement.Internal.DocIdHandler</Class>
-    <Data/>
-    <Filter/>
-  </Receiver>
-</spe:Receivers>
+<file path=customXml/itemProps1.xml><?xml version="1.0" encoding="utf-8"?>
+<ds:datastoreItem xmlns:ds="http://schemas.openxmlformats.org/officeDocument/2006/customXml" ds:itemID="{5E6E26AD-AE5D-463E-BB17-50F81FC0E054}">
+  <ds:schemaRefs>
+    <ds:schemaRef ds:uri="http://schemas.microsoft.com/sharepoint/v3/contenttype/forms"/>
+  </ds:schemaRefs>
+</ds:datastoreItem>
 </file>
 
-<file path=customXml/itemProps1.xml><?xml version="1.0" encoding="utf-8"?>
+<file path=customXml/itemProps2.xml><?xml version="1.0" encoding="utf-8"?>
 <ds:datastoreItem xmlns:ds="http://schemas.openxmlformats.org/officeDocument/2006/customXml" ds:itemID="{DAD37846-624C-44F6-9B51-B13F0370831D}">
   <ds:schemaRefs>
     <ds:schemaRef ds:uri="http://schemas.microsoft.com/office/2006/documentManagement/types"/>
@@ -26771,15 +26921,15 @@
 </ds:datastoreItem>
 </file>
 
-<file path=customXml/itemProps2.xml><?xml version="1.0" encoding="utf-8"?>
-<ds:datastoreItem xmlns:ds="http://schemas.openxmlformats.org/officeDocument/2006/customXml" ds:itemID="{5E6E26AD-AE5D-463E-BB17-50F81FC0E054}">
+<file path=customXml/itemProps3.xml><?xml version="1.0" encoding="utf-8"?>
+<ds:datastoreItem xmlns:ds="http://schemas.openxmlformats.org/officeDocument/2006/customXml" ds:itemID="{EC30A6B1-263C-46F5-AB2A-5E46D5167165}">
   <ds:schemaRefs>
-    <ds:schemaRef ds:uri="http://schemas.microsoft.com/sharepoint/v3/contenttype/forms"/>
+    <ds:schemaRef ds:uri="http://schemas.microsoft.com/sharepoint/events"/>
   </ds:schemaRefs>
 </ds:datastoreItem>
 </file>
 
-<file path=customXml/itemProps3.xml><?xml version="1.0" encoding="utf-8"?>
+<file path=customXml/itemProps4.xml><?xml version="1.0" encoding="utf-8"?>
 <ds:datastoreItem xmlns:ds="http://schemas.openxmlformats.org/officeDocument/2006/customXml" ds:itemID="{2CE75349-2732-4A5F-8802-B37E270427E9}">
   <ds:schemaRefs>
     <ds:schemaRef ds:uri="http://schemas.microsoft.com/office/2006/metadata/contentType"/>
@@ -26796,12 +26946,4 @@
     <ds:schemaRef ds:uri="http://schemas.microsoft.com/internal/obd"/>
   </ds:schemaRefs>
 </ds:datastoreItem>
-</file>
-
-<file path=customXml/itemProps4.xml><?xml version="1.0" encoding="utf-8"?>
-<ds:datastoreItem xmlns:ds="http://schemas.openxmlformats.org/officeDocument/2006/customXml" ds:itemID="{EC30A6B1-263C-46F5-AB2A-5E46D5167165}">
-  <ds:schemaRefs>
-    <ds:schemaRef ds:uri="http://schemas.microsoft.com/sharepoint/events"/>
-  </ds:schemaRefs>
-</ds:datastoreItem>
 </file>